--- a/first_presentation.pptx
+++ b/first_presentation.pptx
@@ -201,7 +201,7 @@
           <a:p>
             <a:fld id="{3D5C9ED4-A3D1-440F-977B-1910E94F21CF}" type="datetimeFigureOut">
               <a:rPr lang="ko-KR" altLang="en-US" smtClean="0"/>
-              <a:t>2023-10-15</a:t>
+              <a:t>2023-11-14</a:t>
             </a:fld>
             <a:endParaRPr lang="ko-KR" altLang="en-US"/>
           </a:p>
@@ -791,7 +791,7 @@
           <a:p>
             <a:fld id="{A34EACE9-21E5-4F07-A6AA-4F54D3069CED}" type="datetimeFigureOut">
               <a:rPr lang="ko-KR" altLang="en-US" smtClean="0"/>
-              <a:t>2023-10-15</a:t>
+              <a:t>2023-11-14</a:t>
             </a:fld>
             <a:endParaRPr lang="ko-KR" altLang="en-US"/>
           </a:p>
@@ -989,7 +989,7 @@
           <a:p>
             <a:fld id="{A34EACE9-21E5-4F07-A6AA-4F54D3069CED}" type="datetimeFigureOut">
               <a:rPr lang="ko-KR" altLang="en-US" smtClean="0"/>
-              <a:t>2023-10-15</a:t>
+              <a:t>2023-11-14</a:t>
             </a:fld>
             <a:endParaRPr lang="ko-KR" altLang="en-US"/>
           </a:p>
@@ -1197,7 +1197,7 @@
           <a:p>
             <a:fld id="{A34EACE9-21E5-4F07-A6AA-4F54D3069CED}" type="datetimeFigureOut">
               <a:rPr lang="ko-KR" altLang="en-US" smtClean="0"/>
-              <a:t>2023-10-15</a:t>
+              <a:t>2023-11-14</a:t>
             </a:fld>
             <a:endParaRPr lang="ko-KR" altLang="en-US"/>
           </a:p>
@@ -1395,7 +1395,7 @@
           <a:p>
             <a:fld id="{A34EACE9-21E5-4F07-A6AA-4F54D3069CED}" type="datetimeFigureOut">
               <a:rPr lang="ko-KR" altLang="en-US" smtClean="0"/>
-              <a:t>2023-10-15</a:t>
+              <a:t>2023-11-14</a:t>
             </a:fld>
             <a:endParaRPr lang="ko-KR" altLang="en-US"/>
           </a:p>
@@ -1670,7 +1670,7 @@
           <a:p>
             <a:fld id="{A34EACE9-21E5-4F07-A6AA-4F54D3069CED}" type="datetimeFigureOut">
               <a:rPr lang="ko-KR" altLang="en-US" smtClean="0"/>
-              <a:t>2023-10-15</a:t>
+              <a:t>2023-11-14</a:t>
             </a:fld>
             <a:endParaRPr lang="ko-KR" altLang="en-US"/>
           </a:p>
@@ -1935,7 +1935,7 @@
           <a:p>
             <a:fld id="{A34EACE9-21E5-4F07-A6AA-4F54D3069CED}" type="datetimeFigureOut">
               <a:rPr lang="ko-KR" altLang="en-US" smtClean="0"/>
-              <a:t>2023-10-15</a:t>
+              <a:t>2023-11-14</a:t>
             </a:fld>
             <a:endParaRPr lang="ko-KR" altLang="en-US"/>
           </a:p>
@@ -2347,7 +2347,7 @@
           <a:p>
             <a:fld id="{A34EACE9-21E5-4F07-A6AA-4F54D3069CED}" type="datetimeFigureOut">
               <a:rPr lang="ko-KR" altLang="en-US" smtClean="0"/>
-              <a:t>2023-10-15</a:t>
+              <a:t>2023-11-14</a:t>
             </a:fld>
             <a:endParaRPr lang="ko-KR" altLang="en-US"/>
           </a:p>
@@ -2488,7 +2488,7 @@
           <a:p>
             <a:fld id="{A34EACE9-21E5-4F07-A6AA-4F54D3069CED}" type="datetimeFigureOut">
               <a:rPr lang="ko-KR" altLang="en-US" smtClean="0"/>
-              <a:t>2023-10-15</a:t>
+              <a:t>2023-11-14</a:t>
             </a:fld>
             <a:endParaRPr lang="ko-KR" altLang="en-US"/>
           </a:p>
@@ -2601,7 +2601,7 @@
           <a:p>
             <a:fld id="{A34EACE9-21E5-4F07-A6AA-4F54D3069CED}" type="datetimeFigureOut">
               <a:rPr lang="ko-KR" altLang="en-US" smtClean="0"/>
-              <a:t>2023-10-15</a:t>
+              <a:t>2023-11-14</a:t>
             </a:fld>
             <a:endParaRPr lang="ko-KR" altLang="en-US"/>
           </a:p>
@@ -2912,7 +2912,7 @@
           <a:p>
             <a:fld id="{A34EACE9-21E5-4F07-A6AA-4F54D3069CED}" type="datetimeFigureOut">
               <a:rPr lang="ko-KR" altLang="en-US" smtClean="0"/>
-              <a:t>2023-10-15</a:t>
+              <a:t>2023-11-14</a:t>
             </a:fld>
             <a:endParaRPr lang="ko-KR" altLang="en-US"/>
           </a:p>
@@ -3200,7 +3200,7 @@
           <a:p>
             <a:fld id="{A34EACE9-21E5-4F07-A6AA-4F54D3069CED}" type="datetimeFigureOut">
               <a:rPr lang="ko-KR" altLang="en-US" smtClean="0"/>
-              <a:t>2023-10-15</a:t>
+              <a:t>2023-11-14</a:t>
             </a:fld>
             <a:endParaRPr lang="ko-KR" altLang="en-US"/>
           </a:p>
@@ -3441,7 +3441,7 @@
           <a:p>
             <a:fld id="{A34EACE9-21E5-4F07-A6AA-4F54D3069CED}" type="datetimeFigureOut">
               <a:rPr lang="ko-KR" altLang="en-US" smtClean="0"/>
-              <a:t>2023-10-15</a:t>
+              <a:t>2023-11-14</a:t>
             </a:fld>
             <a:endParaRPr lang="ko-KR" altLang="en-US"/>
           </a:p>
